--- a/readme.pptx
+++ b/readme.pptx
@@ -264,7 +264,7 @@
           <a:p>
             <a:fld id="{49C7BADA-7BE2-4004-9E2A-A46D10D65AFE}" type="datetimeFigureOut">
               <a:rPr lang="en-US" smtClean="0"/>
-              <a:t>1/25/2021</a:t>
+              <a:t>1/26/2021</a:t>
             </a:fld>
             <a:endParaRPr lang="en-US"/>
           </a:p>
@@ -462,7 +462,7 @@
           <a:p>
             <a:fld id="{49C7BADA-7BE2-4004-9E2A-A46D10D65AFE}" type="datetimeFigureOut">
               <a:rPr lang="en-US" smtClean="0"/>
-              <a:t>1/25/2021</a:t>
+              <a:t>1/26/2021</a:t>
             </a:fld>
             <a:endParaRPr lang="en-US"/>
           </a:p>
@@ -670,7 +670,7 @@
           <a:p>
             <a:fld id="{49C7BADA-7BE2-4004-9E2A-A46D10D65AFE}" type="datetimeFigureOut">
               <a:rPr lang="en-US" smtClean="0"/>
-              <a:t>1/25/2021</a:t>
+              <a:t>1/26/2021</a:t>
             </a:fld>
             <a:endParaRPr lang="en-US"/>
           </a:p>
@@ -868,7 +868,7 @@
           <a:p>
             <a:fld id="{49C7BADA-7BE2-4004-9E2A-A46D10D65AFE}" type="datetimeFigureOut">
               <a:rPr lang="en-US" smtClean="0"/>
-              <a:t>1/25/2021</a:t>
+              <a:t>1/26/2021</a:t>
             </a:fld>
             <a:endParaRPr lang="en-US"/>
           </a:p>
@@ -1143,7 +1143,7 @@
           <a:p>
             <a:fld id="{49C7BADA-7BE2-4004-9E2A-A46D10D65AFE}" type="datetimeFigureOut">
               <a:rPr lang="en-US" smtClean="0"/>
-              <a:t>1/25/2021</a:t>
+              <a:t>1/26/2021</a:t>
             </a:fld>
             <a:endParaRPr lang="en-US"/>
           </a:p>
@@ -1408,7 +1408,7 @@
           <a:p>
             <a:fld id="{49C7BADA-7BE2-4004-9E2A-A46D10D65AFE}" type="datetimeFigureOut">
               <a:rPr lang="en-US" smtClean="0"/>
-              <a:t>1/25/2021</a:t>
+              <a:t>1/26/2021</a:t>
             </a:fld>
             <a:endParaRPr lang="en-US"/>
           </a:p>
@@ -1820,7 +1820,7 @@
           <a:p>
             <a:fld id="{49C7BADA-7BE2-4004-9E2A-A46D10D65AFE}" type="datetimeFigureOut">
               <a:rPr lang="en-US" smtClean="0"/>
-              <a:t>1/25/2021</a:t>
+              <a:t>1/26/2021</a:t>
             </a:fld>
             <a:endParaRPr lang="en-US"/>
           </a:p>
@@ -1961,7 +1961,7 @@
           <a:p>
             <a:fld id="{49C7BADA-7BE2-4004-9E2A-A46D10D65AFE}" type="datetimeFigureOut">
               <a:rPr lang="en-US" smtClean="0"/>
-              <a:t>1/25/2021</a:t>
+              <a:t>1/26/2021</a:t>
             </a:fld>
             <a:endParaRPr lang="en-US"/>
           </a:p>
@@ -2074,7 +2074,7 @@
           <a:p>
             <a:fld id="{49C7BADA-7BE2-4004-9E2A-A46D10D65AFE}" type="datetimeFigureOut">
               <a:rPr lang="en-US" smtClean="0"/>
-              <a:t>1/25/2021</a:t>
+              <a:t>1/26/2021</a:t>
             </a:fld>
             <a:endParaRPr lang="en-US"/>
           </a:p>
@@ -2385,7 +2385,7 @@
           <a:p>
             <a:fld id="{49C7BADA-7BE2-4004-9E2A-A46D10D65AFE}" type="datetimeFigureOut">
               <a:rPr lang="en-US" smtClean="0"/>
-              <a:t>1/25/2021</a:t>
+              <a:t>1/26/2021</a:t>
             </a:fld>
             <a:endParaRPr lang="en-US"/>
           </a:p>
@@ -2673,7 +2673,7 @@
           <a:p>
             <a:fld id="{49C7BADA-7BE2-4004-9E2A-A46D10D65AFE}" type="datetimeFigureOut">
               <a:rPr lang="en-US" smtClean="0"/>
-              <a:t>1/25/2021</a:t>
+              <a:t>1/26/2021</a:t>
             </a:fld>
             <a:endParaRPr lang="en-US"/>
           </a:p>
@@ -2914,7 +2914,7 @@
           <a:p>
             <a:fld id="{49C7BADA-7BE2-4004-9E2A-A46D10D65AFE}" type="datetimeFigureOut">
               <a:rPr lang="en-US" smtClean="0"/>
-              <a:t>1/25/2021</a:t>
+              <a:t>1/26/2021</a:t>
             </a:fld>
             <a:endParaRPr lang="en-US"/>
           </a:p>
@@ -7104,27 +7104,6 @@
               </a:rPr>
               <a:t>https://docs.aws.amazon.com/lambda/latest/dg/runtimes-context.html</a:t>
             </a:r>
-            <a:r>
-              <a:rPr lang="en-US" sz="1600" b="0" i="0" dirty="0">
-                <a:solidFill>
-                  <a:srgbClr val="16191F"/>
-                </a:solidFill>
-                <a:effectLst/>
-                <a:latin typeface="Amazon Ember"/>
-              </a:rPr>
-              <a:t>, </a:t>
-            </a:r>
-            <a:r>
-              <a:rPr lang="en-US" sz="1600" b="0" i="0" dirty="0">
-                <a:solidFill>
-                  <a:srgbClr val="16191F"/>
-                </a:solidFill>
-                <a:effectLst/>
-                <a:latin typeface="Amazon Ember"/>
-                <a:hlinkClick r:id="rId3"/>
-              </a:rPr>
-              <a:t>https://aws.amazon.com/ru/lambda/pricing/</a:t>
-            </a:r>
             <a:endParaRPr lang="en-US" sz="1600" kern="1200" dirty="0">
               <a:solidFill>
                 <a:schemeClr val="tx2"/>
@@ -7151,7 +7130,7 @@
           <p:nvPr/>
         </p:nvPicPr>
         <p:blipFill>
-          <a:blip r:embed="rId4"/>
+          <a:blip r:embed="rId3"/>
           <a:stretch>
             <a:fillRect/>
           </a:stretch>
@@ -7215,7 +7194,7 @@
         <p:spPr>
           <a:xfrm>
             <a:off x="804672" y="476250"/>
-            <a:ext cx="10625328" cy="6019800"/>
+            <a:ext cx="10625328" cy="6381750"/>
           </a:xfrm>
         </p:spPr>
         <p:txBody>
@@ -7471,6 +7450,27 @@
                 <a:hlinkClick r:id="rId2"/>
               </a:rPr>
               <a:t>https://docs.aws.amazon.com/lambda/latest/dg/gettingstarted-limits.html</a:t>
+            </a:r>
+            <a:r>
+              <a:rPr lang="en-US" sz="1600" b="0" i="0" u="none" strike="noStrike" dirty="0">
+                <a:solidFill>
+                  <a:srgbClr val="16191F"/>
+                </a:solidFill>
+                <a:effectLst/>
+                <a:latin typeface="Amazon Ember"/>
+              </a:rPr>
+              <a:t>, </a:t>
+            </a:r>
+            <a:r>
+              <a:rPr lang="en-US" sz="1600" b="0" i="0" dirty="0">
+                <a:solidFill>
+                  <a:srgbClr val="16191F"/>
+                </a:solidFill>
+                <a:effectLst/>
+                <a:latin typeface="Amazon Ember"/>
+                <a:hlinkClick r:id="rId3"/>
+              </a:rPr>
+              <a:t>https://aws.amazon.com/ru/lambda/pricing/</a:t>
             </a:r>
             <a:endParaRPr lang="en-US" sz="1600" kern="1200" dirty="0">
               <a:solidFill>
@@ -7498,7 +7498,7 @@
           <p:nvPr/>
         </p:nvPicPr>
         <p:blipFill>
-          <a:blip r:embed="rId3"/>
+          <a:blip r:embed="rId4"/>
           <a:stretch>
             <a:fillRect/>
           </a:stretch>
@@ -8397,6 +8397,31 @@
                 <a:cs typeface="+mj-cs"/>
               </a:rPr>
             </a:br>
+            <a:r>
+              <a:rPr lang="en-US" sz="1700" b="0" i="0" u="none" strike="noStrike" kern="1200" dirty="0">
+                <a:solidFill>
+                  <a:schemeClr val="tx1"/>
+                </a:solidFill>
+                <a:effectLst/>
+                <a:latin typeface="+mj-lt"/>
+                <a:ea typeface="+mj-ea"/>
+                <a:cs typeface="+mj-cs"/>
+              </a:rPr>
+              <a:t>Pricing - </a:t>
+            </a:r>
+            <a:r>
+              <a:rPr lang="en-US" sz="1700" b="0" i="0" u="none" strike="noStrike" kern="1200" dirty="0">
+                <a:solidFill>
+                  <a:schemeClr val="tx1"/>
+                </a:solidFill>
+                <a:effectLst/>
+                <a:latin typeface="+mj-lt"/>
+                <a:ea typeface="+mj-ea"/>
+                <a:cs typeface="+mj-cs"/>
+                <a:hlinkClick r:id="rId2"/>
+              </a:rPr>
+              <a:t>https://aws.amazon.com/ru/api-gateway/pricing/</a:t>
+            </a:r>
             <a:br>
               <a:rPr lang="en-US" sz="1700" b="0" i="0" u="none" strike="noStrike" kern="1200" dirty="0">
                 <a:solidFill>
@@ -8434,14 +8459,14 @@
           <p:nvPr/>
         </p:nvPicPr>
         <p:blipFill>
-          <a:blip r:embed="rId2"/>
+          <a:blip r:embed="rId3"/>
           <a:stretch>
             <a:fillRect/>
           </a:stretch>
         </p:blipFill>
         <p:spPr>
           <a:xfrm>
-            <a:off x="836675" y="2036917"/>
+            <a:off x="836675" y="2222307"/>
             <a:ext cx="10000679" cy="4450303"/>
           </a:xfrm>
           <a:prstGeom prst="rect">
@@ -8508,15 +8533,6 @@
           <a:lstStyle/>
           <a:p>
             <a:r>
-              <a:rPr lang="en-US" sz="3600" dirty="0">
-                <a:solidFill>
-                  <a:srgbClr val="16191F"/>
-                </a:solidFill>
-                <a:latin typeface="Amazon Ember"/>
-              </a:rPr>
-              <a:t>P</a:t>
-            </a:r>
-            <a:r>
               <a:rPr lang="en-US" sz="3600" b="0" i="0" u="none" strike="noStrike" dirty="0">
                 <a:solidFill>
                   <a:srgbClr val="16191F"/>
@@ -8524,35 +8540,7 @@
                 <a:effectLst/>
                 <a:latin typeface="Amazon Ember"/>
               </a:rPr>
-              <a:t>rimitive ECHO </a:t>
-            </a:r>
-            <a:r>
-              <a:rPr lang="en-US" sz="3600" dirty="0">
-                <a:solidFill>
-                  <a:srgbClr val="16191F"/>
-                </a:solidFill>
-                <a:latin typeface="Amazon Ember"/>
-              </a:rPr>
-              <a:t>L</a:t>
-            </a:r>
-            <a:r>
-              <a:rPr lang="en-US" sz="3600" b="0" i="0" u="none" strike="noStrike" dirty="0">
-                <a:solidFill>
-                  <a:srgbClr val="16191F"/>
-                </a:solidFill>
-                <a:effectLst/>
-                <a:latin typeface="Amazon Ember"/>
-              </a:rPr>
-              <a:t>ambda</a:t>
-            </a:r>
-            <a:r>
-              <a:rPr lang="en-US" sz="3600" dirty="0">
-                <a:solidFill>
-                  <a:srgbClr val="16191F"/>
-                </a:solidFill>
-                <a:latin typeface="Amazon Ember"/>
-              </a:rPr>
-              <a:t>.</a:t>
+              <a:t>API Gateway REST API with Lambda integration</a:t>
             </a:r>
             <a:br>
               <a:rPr lang="en-US" sz="3600" dirty="0">
